--- a/diagrams/uml/sequenceDiagrams/basicNotation/playerText.pptx
+++ b/diagrams/uml/sequenceDiagrams/basicNotation/playerText.pptx
@@ -104,6 +104,22 @@
       </a:defRPr>
     </a:lvl9pPr>
   </p:defaultTextStyle>
+  <p:extLst>
+    <p:ext uri="{EFAFB233-063F-42B5-8137-9DF3F51BA10A}">
+      <p15:sldGuideLst xmlns:p15="http://schemas.microsoft.com/office/powerpoint/2012/main">
+        <p15:guide id="1" orient="horz" pos="2160">
+          <p15:clr>
+            <a:srgbClr val="A4A3A4"/>
+          </p15:clr>
+        </p15:guide>
+        <p15:guide id="2" pos="2880">
+          <p15:clr>
+            <a:srgbClr val="A4A3A4"/>
+          </p15:clr>
+        </p15:guide>
+      </p15:sldGuideLst>
+    </p:ext>
+  </p:extLst>
 </p:presentation>
 </file>
 
@@ -145,7 +161,7 @@
           <a:lstStyle/>
           <a:p>
             <a:r>
-              <a:rPr lang="en-US" smtClean="0"/>
+              <a:rPr lang="en-US"/>
               <a:t>Click to edit Master title style</a:t>
             </a:r>
             <a:endParaRPr lang="en-SG"/>
@@ -264,7 +280,7 @@
           </a:lstStyle>
           <a:p>
             <a:r>
-              <a:rPr lang="en-US" smtClean="0"/>
+              <a:rPr lang="en-US"/>
               <a:t>Click to edit Master subtitle style</a:t>
             </a:r>
             <a:endParaRPr lang="en-SG"/>
@@ -288,7 +304,7 @@
           <a:p>
             <a:fld id="{5C63EA63-0159-4067-AC1E-0A923D89E69F}" type="datetimeFigureOut">
               <a:rPr lang="en-SG" smtClean="0"/>
-              <a:t>1/6/2017</a:t>
+              <a:t>9/1/2024</a:t>
             </a:fld>
             <a:endParaRPr lang="en-SG"/>
           </a:p>
@@ -382,7 +398,7 @@
           <a:lstStyle/>
           <a:p>
             <a:r>
-              <a:rPr lang="en-US" smtClean="0"/>
+              <a:rPr lang="en-US"/>
               <a:t>Click to edit Master title style</a:t>
             </a:r>
             <a:endParaRPr lang="en-SG"/>
@@ -406,35 +422,35 @@
           <a:p>
             <a:pPr lvl="0"/>
             <a:r>
-              <a:rPr lang="en-US" smtClean="0"/>
+              <a:rPr lang="en-US"/>
               <a:t>Click to edit Master text styles</a:t>
             </a:r>
           </a:p>
           <a:p>
             <a:pPr lvl="1"/>
             <a:r>
-              <a:rPr lang="en-US" smtClean="0"/>
+              <a:rPr lang="en-US"/>
               <a:t>Second level</a:t>
             </a:r>
           </a:p>
           <a:p>
             <a:pPr lvl="2"/>
             <a:r>
-              <a:rPr lang="en-US" smtClean="0"/>
+              <a:rPr lang="en-US"/>
               <a:t>Third level</a:t>
             </a:r>
           </a:p>
           <a:p>
             <a:pPr lvl="3"/>
             <a:r>
-              <a:rPr lang="en-US" smtClean="0"/>
+              <a:rPr lang="en-US"/>
               <a:t>Fourth level</a:t>
             </a:r>
           </a:p>
           <a:p>
             <a:pPr lvl="4"/>
             <a:r>
-              <a:rPr lang="en-US" smtClean="0"/>
+              <a:rPr lang="en-US"/>
               <a:t>Fifth level</a:t>
             </a:r>
             <a:endParaRPr lang="en-SG"/>
@@ -458,7 +474,7 @@
           <a:p>
             <a:fld id="{5C63EA63-0159-4067-AC1E-0A923D89E69F}" type="datetimeFigureOut">
               <a:rPr lang="en-SG" smtClean="0"/>
-              <a:t>1/6/2017</a:t>
+              <a:t>9/1/2024</a:t>
             </a:fld>
             <a:endParaRPr lang="en-SG"/>
           </a:p>
@@ -557,7 +573,7 @@
           <a:lstStyle/>
           <a:p>
             <a:r>
-              <a:rPr lang="en-US" smtClean="0"/>
+              <a:rPr lang="en-US"/>
               <a:t>Click to edit Master title style</a:t>
             </a:r>
             <a:endParaRPr lang="en-SG"/>
@@ -586,35 +602,35 @@
           <a:p>
             <a:pPr lvl="0"/>
             <a:r>
-              <a:rPr lang="en-US" smtClean="0"/>
+              <a:rPr lang="en-US"/>
               <a:t>Click to edit Master text styles</a:t>
             </a:r>
           </a:p>
           <a:p>
             <a:pPr lvl="1"/>
             <a:r>
-              <a:rPr lang="en-US" smtClean="0"/>
+              <a:rPr lang="en-US"/>
               <a:t>Second level</a:t>
             </a:r>
           </a:p>
           <a:p>
             <a:pPr lvl="2"/>
             <a:r>
-              <a:rPr lang="en-US" smtClean="0"/>
+              <a:rPr lang="en-US"/>
               <a:t>Third level</a:t>
             </a:r>
           </a:p>
           <a:p>
             <a:pPr lvl="3"/>
             <a:r>
-              <a:rPr lang="en-US" smtClean="0"/>
+              <a:rPr lang="en-US"/>
               <a:t>Fourth level</a:t>
             </a:r>
           </a:p>
           <a:p>
             <a:pPr lvl="4"/>
             <a:r>
-              <a:rPr lang="en-US" smtClean="0"/>
+              <a:rPr lang="en-US"/>
               <a:t>Fifth level</a:t>
             </a:r>
             <a:endParaRPr lang="en-SG"/>
@@ -638,7 +654,7 @@
           <a:p>
             <a:fld id="{5C63EA63-0159-4067-AC1E-0A923D89E69F}" type="datetimeFigureOut">
               <a:rPr lang="en-SG" smtClean="0"/>
-              <a:t>1/6/2017</a:t>
+              <a:t>9/1/2024</a:t>
             </a:fld>
             <a:endParaRPr lang="en-SG"/>
           </a:p>
@@ -732,7 +748,7 @@
           <a:lstStyle/>
           <a:p>
             <a:r>
-              <a:rPr lang="en-US" smtClean="0"/>
+              <a:rPr lang="en-US"/>
               <a:t>Click to edit Master title style</a:t>
             </a:r>
             <a:endParaRPr lang="en-SG"/>
@@ -756,35 +772,35 @@
           <a:p>
             <a:pPr lvl="0"/>
             <a:r>
-              <a:rPr lang="en-US" smtClean="0"/>
+              <a:rPr lang="en-US"/>
               <a:t>Click to edit Master text styles</a:t>
             </a:r>
           </a:p>
           <a:p>
             <a:pPr lvl="1"/>
             <a:r>
-              <a:rPr lang="en-US" smtClean="0"/>
+              <a:rPr lang="en-US"/>
               <a:t>Second level</a:t>
             </a:r>
           </a:p>
           <a:p>
             <a:pPr lvl="2"/>
             <a:r>
-              <a:rPr lang="en-US" smtClean="0"/>
+              <a:rPr lang="en-US"/>
               <a:t>Third level</a:t>
             </a:r>
           </a:p>
           <a:p>
             <a:pPr lvl="3"/>
             <a:r>
-              <a:rPr lang="en-US" smtClean="0"/>
+              <a:rPr lang="en-US"/>
               <a:t>Fourth level</a:t>
             </a:r>
           </a:p>
           <a:p>
             <a:pPr lvl="4"/>
             <a:r>
-              <a:rPr lang="en-US" smtClean="0"/>
+              <a:rPr lang="en-US"/>
               <a:t>Fifth level</a:t>
             </a:r>
             <a:endParaRPr lang="en-SG"/>
@@ -808,7 +824,7 @@
           <a:p>
             <a:fld id="{5C63EA63-0159-4067-AC1E-0A923D89E69F}" type="datetimeFigureOut">
               <a:rPr lang="en-SG" smtClean="0"/>
-              <a:t>1/6/2017</a:t>
+              <a:t>9/1/2024</a:t>
             </a:fld>
             <a:endParaRPr lang="en-SG"/>
           </a:p>
@@ -911,7 +927,7 @@
           </a:lstStyle>
           <a:p>
             <a:r>
-              <a:rPr lang="en-US" smtClean="0"/>
+              <a:rPr lang="en-US"/>
               <a:t>Click to edit Master title style</a:t>
             </a:r>
             <a:endParaRPr lang="en-SG"/>
@@ -1031,7 +1047,7 @@
           <a:p>
             <a:pPr lvl="0"/>
             <a:r>
-              <a:rPr lang="en-US" smtClean="0"/>
+              <a:rPr lang="en-US"/>
               <a:t>Click to edit Master text styles</a:t>
             </a:r>
           </a:p>
@@ -1054,7 +1070,7 @@
           <a:p>
             <a:fld id="{5C63EA63-0159-4067-AC1E-0A923D89E69F}" type="datetimeFigureOut">
               <a:rPr lang="en-SG" smtClean="0"/>
-              <a:t>1/6/2017</a:t>
+              <a:t>9/1/2024</a:t>
             </a:fld>
             <a:endParaRPr lang="en-SG"/>
           </a:p>
@@ -1148,7 +1164,7 @@
           <a:lstStyle/>
           <a:p>
             <a:r>
-              <a:rPr lang="en-US" smtClean="0"/>
+              <a:rPr lang="en-US"/>
               <a:t>Click to edit Master title style</a:t>
             </a:r>
             <a:endParaRPr lang="en-SG"/>
@@ -1205,35 +1221,35 @@
           <a:p>
             <a:pPr lvl="0"/>
             <a:r>
-              <a:rPr lang="en-US" smtClean="0"/>
+              <a:rPr lang="en-US"/>
               <a:t>Click to edit Master text styles</a:t>
             </a:r>
           </a:p>
           <a:p>
             <a:pPr lvl="1"/>
             <a:r>
-              <a:rPr lang="en-US" smtClean="0"/>
+              <a:rPr lang="en-US"/>
               <a:t>Second level</a:t>
             </a:r>
           </a:p>
           <a:p>
             <a:pPr lvl="2"/>
             <a:r>
-              <a:rPr lang="en-US" smtClean="0"/>
+              <a:rPr lang="en-US"/>
               <a:t>Third level</a:t>
             </a:r>
           </a:p>
           <a:p>
             <a:pPr lvl="3"/>
             <a:r>
-              <a:rPr lang="en-US" smtClean="0"/>
+              <a:rPr lang="en-US"/>
               <a:t>Fourth level</a:t>
             </a:r>
           </a:p>
           <a:p>
             <a:pPr lvl="4"/>
             <a:r>
-              <a:rPr lang="en-US" smtClean="0"/>
+              <a:rPr lang="en-US"/>
               <a:t>Fifth level</a:t>
             </a:r>
             <a:endParaRPr lang="en-SG"/>
@@ -1290,35 +1306,35 @@
           <a:p>
             <a:pPr lvl="0"/>
             <a:r>
-              <a:rPr lang="en-US" smtClean="0"/>
+              <a:rPr lang="en-US"/>
               <a:t>Click to edit Master text styles</a:t>
             </a:r>
           </a:p>
           <a:p>
             <a:pPr lvl="1"/>
             <a:r>
-              <a:rPr lang="en-US" smtClean="0"/>
+              <a:rPr lang="en-US"/>
               <a:t>Second level</a:t>
             </a:r>
           </a:p>
           <a:p>
             <a:pPr lvl="2"/>
             <a:r>
-              <a:rPr lang="en-US" smtClean="0"/>
+              <a:rPr lang="en-US"/>
               <a:t>Third level</a:t>
             </a:r>
           </a:p>
           <a:p>
             <a:pPr lvl="3"/>
             <a:r>
-              <a:rPr lang="en-US" smtClean="0"/>
+              <a:rPr lang="en-US"/>
               <a:t>Fourth level</a:t>
             </a:r>
           </a:p>
           <a:p>
             <a:pPr lvl="4"/>
             <a:r>
-              <a:rPr lang="en-US" smtClean="0"/>
+              <a:rPr lang="en-US"/>
               <a:t>Fifth level</a:t>
             </a:r>
             <a:endParaRPr lang="en-SG"/>
@@ -1342,7 +1358,7 @@
           <a:p>
             <a:fld id="{5C63EA63-0159-4067-AC1E-0A923D89E69F}" type="datetimeFigureOut">
               <a:rPr lang="en-SG" smtClean="0"/>
-              <a:t>1/6/2017</a:t>
+              <a:t>9/1/2024</a:t>
             </a:fld>
             <a:endParaRPr lang="en-SG"/>
           </a:p>
@@ -1440,7 +1456,7 @@
           </a:lstStyle>
           <a:p>
             <a:r>
-              <a:rPr lang="en-US" smtClean="0"/>
+              <a:rPr lang="en-US"/>
               <a:t>Click to edit Master title style</a:t>
             </a:r>
             <a:endParaRPr lang="en-SG"/>
@@ -1506,7 +1522,7 @@
           <a:p>
             <a:pPr lvl="0"/>
             <a:r>
-              <a:rPr lang="en-US" smtClean="0"/>
+              <a:rPr lang="en-US"/>
               <a:t>Click to edit Master text styles</a:t>
             </a:r>
           </a:p>
@@ -1562,35 +1578,35 @@
           <a:p>
             <a:pPr lvl="0"/>
             <a:r>
-              <a:rPr lang="en-US" smtClean="0"/>
+              <a:rPr lang="en-US"/>
               <a:t>Click to edit Master text styles</a:t>
             </a:r>
           </a:p>
           <a:p>
             <a:pPr lvl="1"/>
             <a:r>
-              <a:rPr lang="en-US" smtClean="0"/>
+              <a:rPr lang="en-US"/>
               <a:t>Second level</a:t>
             </a:r>
           </a:p>
           <a:p>
             <a:pPr lvl="2"/>
             <a:r>
-              <a:rPr lang="en-US" smtClean="0"/>
+              <a:rPr lang="en-US"/>
               <a:t>Third level</a:t>
             </a:r>
           </a:p>
           <a:p>
             <a:pPr lvl="3"/>
             <a:r>
-              <a:rPr lang="en-US" smtClean="0"/>
+              <a:rPr lang="en-US"/>
               <a:t>Fourth level</a:t>
             </a:r>
           </a:p>
           <a:p>
             <a:pPr lvl="4"/>
             <a:r>
-              <a:rPr lang="en-US" smtClean="0"/>
+              <a:rPr lang="en-US"/>
               <a:t>Fifth level</a:t>
             </a:r>
             <a:endParaRPr lang="en-SG"/>
@@ -1656,7 +1672,7 @@
           <a:p>
             <a:pPr lvl="0"/>
             <a:r>
-              <a:rPr lang="en-US" smtClean="0"/>
+              <a:rPr lang="en-US"/>
               <a:t>Click to edit Master text styles</a:t>
             </a:r>
           </a:p>
@@ -1712,35 +1728,35 @@
           <a:p>
             <a:pPr lvl="0"/>
             <a:r>
-              <a:rPr lang="en-US" smtClean="0"/>
+              <a:rPr lang="en-US"/>
               <a:t>Click to edit Master text styles</a:t>
             </a:r>
           </a:p>
           <a:p>
             <a:pPr lvl="1"/>
             <a:r>
-              <a:rPr lang="en-US" smtClean="0"/>
+              <a:rPr lang="en-US"/>
               <a:t>Second level</a:t>
             </a:r>
           </a:p>
           <a:p>
             <a:pPr lvl="2"/>
             <a:r>
-              <a:rPr lang="en-US" smtClean="0"/>
+              <a:rPr lang="en-US"/>
               <a:t>Third level</a:t>
             </a:r>
           </a:p>
           <a:p>
             <a:pPr lvl="3"/>
             <a:r>
-              <a:rPr lang="en-US" smtClean="0"/>
+              <a:rPr lang="en-US"/>
               <a:t>Fourth level</a:t>
             </a:r>
           </a:p>
           <a:p>
             <a:pPr lvl="4"/>
             <a:r>
-              <a:rPr lang="en-US" smtClean="0"/>
+              <a:rPr lang="en-US"/>
               <a:t>Fifth level</a:t>
             </a:r>
             <a:endParaRPr lang="en-SG"/>
@@ -1764,7 +1780,7 @@
           <a:p>
             <a:fld id="{5C63EA63-0159-4067-AC1E-0A923D89E69F}" type="datetimeFigureOut">
               <a:rPr lang="en-SG" smtClean="0"/>
-              <a:t>1/6/2017</a:t>
+              <a:t>9/1/2024</a:t>
             </a:fld>
             <a:endParaRPr lang="en-SG"/>
           </a:p>
@@ -1858,7 +1874,7 @@
           <a:lstStyle/>
           <a:p>
             <a:r>
-              <a:rPr lang="en-US" smtClean="0"/>
+              <a:rPr lang="en-US"/>
               <a:t>Click to edit Master title style</a:t>
             </a:r>
             <a:endParaRPr lang="en-SG"/>
@@ -1882,7 +1898,7 @@
           <a:p>
             <a:fld id="{5C63EA63-0159-4067-AC1E-0A923D89E69F}" type="datetimeFigureOut">
               <a:rPr lang="en-SG" smtClean="0"/>
-              <a:t>1/6/2017</a:t>
+              <a:t>9/1/2024</a:t>
             </a:fld>
             <a:endParaRPr lang="en-SG"/>
           </a:p>
@@ -1977,7 +1993,7 @@
           <a:p>
             <a:fld id="{5C63EA63-0159-4067-AC1E-0A923D89E69F}" type="datetimeFigureOut">
               <a:rPr lang="en-SG" smtClean="0"/>
-              <a:t>1/6/2017</a:t>
+              <a:t>9/1/2024</a:t>
             </a:fld>
             <a:endParaRPr lang="en-SG"/>
           </a:p>
@@ -2080,7 +2096,7 @@
           </a:lstStyle>
           <a:p>
             <a:r>
-              <a:rPr lang="en-US" smtClean="0"/>
+              <a:rPr lang="en-US"/>
               <a:t>Click to edit Master title style</a:t>
             </a:r>
             <a:endParaRPr lang="en-SG"/>
@@ -2137,35 +2153,35 @@
           <a:p>
             <a:pPr lvl="0"/>
             <a:r>
-              <a:rPr lang="en-US" smtClean="0"/>
+              <a:rPr lang="en-US"/>
               <a:t>Click to edit Master text styles</a:t>
             </a:r>
           </a:p>
           <a:p>
             <a:pPr lvl="1"/>
             <a:r>
-              <a:rPr lang="en-US" smtClean="0"/>
+              <a:rPr lang="en-US"/>
               <a:t>Second level</a:t>
             </a:r>
           </a:p>
           <a:p>
             <a:pPr lvl="2"/>
             <a:r>
-              <a:rPr lang="en-US" smtClean="0"/>
+              <a:rPr lang="en-US"/>
               <a:t>Third level</a:t>
             </a:r>
           </a:p>
           <a:p>
             <a:pPr lvl="3"/>
             <a:r>
-              <a:rPr lang="en-US" smtClean="0"/>
+              <a:rPr lang="en-US"/>
               <a:t>Fourth level</a:t>
             </a:r>
           </a:p>
           <a:p>
             <a:pPr lvl="4"/>
             <a:r>
-              <a:rPr lang="en-US" smtClean="0"/>
+              <a:rPr lang="en-US"/>
               <a:t>Fifth level</a:t>
             </a:r>
             <a:endParaRPr lang="en-SG"/>
@@ -2231,7 +2247,7 @@
           <a:p>
             <a:pPr lvl="0"/>
             <a:r>
-              <a:rPr lang="en-US" smtClean="0"/>
+              <a:rPr lang="en-US"/>
               <a:t>Click to edit Master text styles</a:t>
             </a:r>
           </a:p>
@@ -2254,7 +2270,7 @@
           <a:p>
             <a:fld id="{5C63EA63-0159-4067-AC1E-0A923D89E69F}" type="datetimeFigureOut">
               <a:rPr lang="en-SG" smtClean="0"/>
-              <a:t>1/6/2017</a:t>
+              <a:t>9/1/2024</a:t>
             </a:fld>
             <a:endParaRPr lang="en-SG"/>
           </a:p>
@@ -2357,7 +2373,7 @@
           </a:lstStyle>
           <a:p>
             <a:r>
-              <a:rPr lang="en-US" smtClean="0"/>
+              <a:rPr lang="en-US"/>
               <a:t>Click to edit Master title style</a:t>
             </a:r>
             <a:endParaRPr lang="en-SG"/>
@@ -2484,7 +2500,7 @@
           <a:p>
             <a:pPr lvl="0"/>
             <a:r>
-              <a:rPr lang="en-US" smtClean="0"/>
+              <a:rPr lang="en-US"/>
               <a:t>Click to edit Master text styles</a:t>
             </a:r>
           </a:p>
@@ -2507,7 +2523,7 @@
           <a:p>
             <a:fld id="{5C63EA63-0159-4067-AC1E-0A923D89E69F}" type="datetimeFigureOut">
               <a:rPr lang="en-SG" smtClean="0"/>
-              <a:t>1/6/2017</a:t>
+              <a:t>9/1/2024</a:t>
             </a:fld>
             <a:endParaRPr lang="en-SG"/>
           </a:p>
@@ -2616,7 +2632,7 @@
           <a:lstStyle/>
           <a:p>
             <a:r>
-              <a:rPr lang="en-US" smtClean="0"/>
+              <a:rPr lang="en-US"/>
               <a:t>Click to edit Master title style</a:t>
             </a:r>
             <a:endParaRPr lang="en-SG"/>
@@ -2650,35 +2666,35 @@
           <a:p>
             <a:pPr lvl="0"/>
             <a:r>
-              <a:rPr lang="en-US" smtClean="0"/>
+              <a:rPr lang="en-US"/>
               <a:t>Click to edit Master text styles</a:t>
             </a:r>
           </a:p>
           <a:p>
             <a:pPr lvl="1"/>
             <a:r>
-              <a:rPr lang="en-US" smtClean="0"/>
+              <a:rPr lang="en-US"/>
               <a:t>Second level</a:t>
             </a:r>
           </a:p>
           <a:p>
             <a:pPr lvl="2"/>
             <a:r>
-              <a:rPr lang="en-US" smtClean="0"/>
+              <a:rPr lang="en-US"/>
               <a:t>Third level</a:t>
             </a:r>
           </a:p>
           <a:p>
             <a:pPr lvl="3"/>
             <a:r>
-              <a:rPr lang="en-US" smtClean="0"/>
+              <a:rPr lang="en-US"/>
               <a:t>Fourth level</a:t>
             </a:r>
           </a:p>
           <a:p>
             <a:pPr lvl="4"/>
             <a:r>
-              <a:rPr lang="en-US" smtClean="0"/>
+              <a:rPr lang="en-US"/>
               <a:t>Fifth level</a:t>
             </a:r>
             <a:endParaRPr lang="en-SG"/>
@@ -2720,7 +2736,7 @@
           <a:p>
             <a:fld id="{5C63EA63-0159-4067-AC1E-0A923D89E69F}" type="datetimeFigureOut">
               <a:rPr lang="en-SG" smtClean="0"/>
-              <a:t>1/6/2017</a:t>
+              <a:t>9/1/2024</a:t>
             </a:fld>
             <a:endParaRPr lang="en-SG"/>
           </a:p>
@@ -3106,7 +3122,7 @@
         <p:spPr bwMode="auto">
           <a:xfrm>
             <a:off x="5741505" y="1102941"/>
-            <a:ext cx="0" cy="5608638"/>
+            <a:ext cx="0" cy="3118147"/>
           </a:xfrm>
           <a:prstGeom prst="line">
             <a:avLst/>
@@ -3194,7 +3210,7 @@
               <a:buNone/>
             </a:pPr>
             <a:r>
-              <a:rPr lang="en-US" sz="2000" dirty="0" smtClean="0">
+              <a:rPr lang="en-US" sz="2000" dirty="0">
                 <a:solidFill>
                   <a:schemeClr val="tx1"/>
                 </a:solidFill>
@@ -3202,7 +3218,7 @@
               <a:t>:</a:t>
             </a:r>
             <a:r>
-              <a:rPr lang="en-US" sz="2000" smtClean="0">
+              <a:rPr lang="en-US" sz="2000">
                 <a:solidFill>
                   <a:schemeClr val="tx1"/>
                 </a:solidFill>
@@ -3228,7 +3244,7 @@
         <p:spPr bwMode="auto">
           <a:xfrm>
             <a:off x="2998305" y="1255341"/>
-            <a:ext cx="0" cy="5456238"/>
+            <a:ext cx="0" cy="2965747"/>
           </a:xfrm>
           <a:prstGeom prst="line">
             <a:avLst/>
@@ -3274,7 +3290,7 @@
         </p:nvSpPr>
         <p:spPr bwMode="auto">
           <a:xfrm>
-            <a:off x="2998305" y="2093541"/>
+            <a:off x="2998305" y="1508652"/>
             <a:ext cx="2590800" cy="0"/>
           </a:xfrm>
           <a:prstGeom prst="line">
@@ -3308,7 +3324,7 @@
         </p:nvSpPr>
         <p:spPr bwMode="auto">
           <a:xfrm flipH="1">
-            <a:off x="2998305" y="2779341"/>
+            <a:off x="2998305" y="2194452"/>
             <a:ext cx="2590800" cy="0"/>
           </a:xfrm>
           <a:prstGeom prst="line">
@@ -3343,7 +3359,7 @@
         </p:nvSpPr>
         <p:spPr bwMode="auto">
           <a:xfrm>
-            <a:off x="3607905" y="1549771"/>
+            <a:off x="3607905" y="1105376"/>
             <a:ext cx="1447800" cy="400110"/>
           </a:xfrm>
           <a:prstGeom prst="rect">
@@ -3374,7 +3390,7 @@
               <a:buNone/>
             </a:pPr>
             <a:r>
-              <a:rPr lang="en-US" sz="2000" b="1" dirty="0" err="1" smtClean="0">
+              <a:rPr lang="en-US" sz="2000" b="1" dirty="0" err="1">
                 <a:latin typeface="Courier New" pitchFamily="49" charset="0"/>
                 <a:cs typeface="Courier New" pitchFamily="49" charset="0"/>
               </a:rPr>
@@ -3397,7 +3413,7 @@
         </p:nvSpPr>
         <p:spPr bwMode="auto">
           <a:xfrm>
-            <a:off x="3760305" y="2336985"/>
+            <a:off x="3178185" y="1789927"/>
             <a:ext cx="1828800" cy="400110"/>
           </a:xfrm>
           <a:prstGeom prst="rect">
@@ -3425,10 +3441,9 @@
               <a:buNone/>
             </a:pPr>
             <a:r>
-              <a:rPr lang="en-US" sz="2000" i="1" dirty="0" smtClean="0"/>
+              <a:rPr lang="en-US" sz="2000" dirty="0"/>
               <a:t>show  minefield</a:t>
             </a:r>
-            <a:endParaRPr lang="en-US" sz="2000" i="1" dirty="0"/>
           </a:p>
         </p:txBody>
       </p:sp>
@@ -3442,7 +3457,7 @@
         </p:nvSpPr>
         <p:spPr bwMode="auto">
           <a:xfrm>
-            <a:off x="3010181" y="4076720"/>
+            <a:off x="3010181" y="3050053"/>
             <a:ext cx="2590800" cy="0"/>
           </a:xfrm>
           <a:prstGeom prst="line">
@@ -3603,7 +3618,7 @@
         </p:nvSpPr>
         <p:spPr bwMode="auto">
           <a:xfrm>
-            <a:off x="3303104" y="3663579"/>
+            <a:off x="3303104" y="2636912"/>
             <a:ext cx="2751117" cy="400110"/>
           </a:xfrm>
           <a:prstGeom prst="rect">
@@ -3753,16 +3768,12 @@
               </a:spcBef>
             </a:pPr>
             <a:r>
-              <a:rPr lang="en-US" sz="2000" b="1" dirty="0" smtClean="0">
+              <a:rPr lang="en-US" sz="2000" b="1" dirty="0">
                 <a:latin typeface="Courier New" pitchFamily="49" charset="0"/>
                 <a:cs typeface="Courier New" pitchFamily="49" charset="0"/>
               </a:rPr>
               <a:t>clear x y</a:t>
             </a:r>
-            <a:endParaRPr lang="en-US" sz="2000" b="1" dirty="0">
-              <a:latin typeface="Courier New" pitchFamily="49" charset="0"/>
-              <a:cs typeface="Courier New" pitchFamily="49" charset="0"/>
-            </a:endParaRPr>
           </a:p>
         </p:txBody>
       </p:sp>
@@ -3776,7 +3787,7 @@
         </p:nvSpPr>
         <p:spPr bwMode="auto">
           <a:xfrm flipH="1">
-            <a:off x="2998305" y="5263779"/>
+            <a:off x="2998305" y="3637361"/>
             <a:ext cx="2590800" cy="0"/>
           </a:xfrm>
           <a:prstGeom prst="line">
@@ -3938,7 +3949,7 @@
         </p:nvSpPr>
         <p:spPr bwMode="auto">
           <a:xfrm>
-            <a:off x="3238780" y="4882779"/>
+            <a:off x="3238780" y="3256361"/>
             <a:ext cx="2257301" cy="707886"/>
           </a:xfrm>
           <a:prstGeom prst="rect">
@@ -4090,26 +4101,11 @@
               <a:buNone/>
             </a:pPr>
             <a:r>
-              <a:rPr lang="en-US" sz="2000" i="1" dirty="0" smtClean="0">
+              <a:rPr lang="en-US" sz="2000" dirty="0">
                 <a:latin typeface="Calibri" pitchFamily="34" charset="0"/>
               </a:rPr>
-              <a:t>show </a:t>
-            </a:r>
-            <a:r>
-              <a:rPr lang="en-US" sz="2000" i="1" dirty="0">
-                <a:latin typeface="Calibri" pitchFamily="34" charset="0"/>
-              </a:rPr>
-              <a:t>updated </a:t>
-            </a:r>
-            <a:r>
-              <a:rPr lang="en-US" sz="2000" i="1" dirty="0" smtClean="0">
-                <a:latin typeface="Calibri" pitchFamily="34" charset="0"/>
-              </a:rPr>
-              <a:t>minefield</a:t>
-            </a:r>
-            <a:endParaRPr lang="en-US" sz="2000" i="1" dirty="0">
-              <a:latin typeface="Calibri" pitchFamily="34" charset="0"/>
-            </a:endParaRPr>
+              <a:t>show updated minefield</a:t>
+            </a:r>
           </a:p>
         </p:txBody>
       </p:sp>
@@ -4323,7 +4319,7 @@
         </p:nvSpPr>
         <p:spPr>
           <a:xfrm>
-            <a:off x="5602960" y="2065358"/>
+            <a:off x="5602960" y="1480469"/>
             <a:ext cx="249381" cy="724395"/>
           </a:xfrm>
           <a:prstGeom prst="rect">
@@ -4370,8 +4366,8 @@
         </p:nvSpPr>
         <p:spPr>
           <a:xfrm>
-            <a:off x="5624732" y="4058434"/>
-            <a:ext cx="239486" cy="1213262"/>
+            <a:off x="5624732" y="3031767"/>
+            <a:ext cx="227607" cy="594694"/>
           </a:xfrm>
           <a:prstGeom prst="rect">
             <a:avLst/>
@@ -4438,10 +4434,9 @@
           <a:p>
             <a:pPr algn="ctr"/>
             <a:r>
-              <a:rPr lang="en-US" sz="2000" dirty="0" smtClean="0"/>
+              <a:rPr lang="en-US" sz="2000" dirty="0"/>
               <a:t>Player</a:t>
             </a:r>
-            <a:endParaRPr lang="en-US" sz="2000" dirty="0"/>
           </a:p>
         </p:txBody>
       </p:sp>
@@ -4455,13 +4450,6 @@
   <p:clrMapOvr>
     <a:masterClrMapping/>
   </p:clrMapOvr>
-  <p:timing>
-    <p:tnLst>
-      <p:par>
-        <p:cTn id="1" dur="indefinite" restart="never" nodeType="tmRoot"/>
-      </p:par>
-    </p:tnLst>
-  </p:timing>
 </p:sld>
 </file>
 
